--- a/Slides/C#/4. Datatypes/DATATYPES.pptx
+++ b/Slides/C#/4. Datatypes/DATATYPES.pptx
@@ -206,7 +206,7 @@
           <a:p>
             <a:fld id="{60844814-3DED-409B-82E6-06FCD9F7AA0F}" type="datetimeFigureOut">
               <a:rPr lang="en-US" smtClean="0"/>
-              <a:t>5/13/2023</a:t>
+              <a:t>8/8/2023</a:t>
             </a:fld>
             <a:endParaRPr lang="en-US"/>
           </a:p>
@@ -724,7 +724,7 @@
           <a:p>
             <a:fld id="{64AFA2AD-E127-4CF5-B47A-4CE67A9F1D09}" type="datetimeFigureOut">
               <a:rPr lang="en-US" smtClean="0"/>
-              <a:t>5/13/2023</a:t>
+              <a:t>8/8/2023</a:t>
             </a:fld>
             <a:endParaRPr lang="en-US"/>
           </a:p>
@@ -922,7 +922,7 @@
           <a:p>
             <a:fld id="{64AFA2AD-E127-4CF5-B47A-4CE67A9F1D09}" type="datetimeFigureOut">
               <a:rPr lang="en-US" smtClean="0"/>
-              <a:t>5/13/2023</a:t>
+              <a:t>8/8/2023</a:t>
             </a:fld>
             <a:endParaRPr lang="en-US"/>
           </a:p>
@@ -1130,7 +1130,7 @@
           <a:p>
             <a:fld id="{64AFA2AD-E127-4CF5-B47A-4CE67A9F1D09}" type="datetimeFigureOut">
               <a:rPr lang="en-US" smtClean="0"/>
-              <a:t>5/13/2023</a:t>
+              <a:t>8/8/2023</a:t>
             </a:fld>
             <a:endParaRPr lang="en-US"/>
           </a:p>
@@ -1997,7 +1997,7 @@
           <a:p>
             <a:fld id="{64AFA2AD-E127-4CF5-B47A-4CE67A9F1D09}" type="datetimeFigureOut">
               <a:rPr lang="en-US" smtClean="0"/>
-              <a:t>5/13/2023</a:t>
+              <a:t>8/8/2023</a:t>
             </a:fld>
             <a:endParaRPr lang="en-US"/>
           </a:p>
@@ -2272,7 +2272,7 @@
           <a:p>
             <a:fld id="{64AFA2AD-E127-4CF5-B47A-4CE67A9F1D09}" type="datetimeFigureOut">
               <a:rPr lang="en-US" smtClean="0"/>
-              <a:t>5/13/2023</a:t>
+              <a:t>8/8/2023</a:t>
             </a:fld>
             <a:endParaRPr lang="en-US"/>
           </a:p>
@@ -2537,7 +2537,7 @@
           <a:p>
             <a:fld id="{64AFA2AD-E127-4CF5-B47A-4CE67A9F1D09}" type="datetimeFigureOut">
               <a:rPr lang="en-US" smtClean="0"/>
-              <a:t>5/13/2023</a:t>
+              <a:t>8/8/2023</a:t>
             </a:fld>
             <a:endParaRPr lang="en-US"/>
           </a:p>
@@ -2949,7 +2949,7 @@
           <a:p>
             <a:fld id="{64AFA2AD-E127-4CF5-B47A-4CE67A9F1D09}" type="datetimeFigureOut">
               <a:rPr lang="en-US" smtClean="0"/>
-              <a:t>5/13/2023</a:t>
+              <a:t>8/8/2023</a:t>
             </a:fld>
             <a:endParaRPr lang="en-US"/>
           </a:p>
@@ -3090,7 +3090,7 @@
           <a:p>
             <a:fld id="{64AFA2AD-E127-4CF5-B47A-4CE67A9F1D09}" type="datetimeFigureOut">
               <a:rPr lang="en-US" smtClean="0"/>
-              <a:t>5/13/2023</a:t>
+              <a:t>8/8/2023</a:t>
             </a:fld>
             <a:endParaRPr lang="en-US"/>
           </a:p>
@@ -3203,7 +3203,7 @@
           <a:p>
             <a:fld id="{64AFA2AD-E127-4CF5-B47A-4CE67A9F1D09}" type="datetimeFigureOut">
               <a:rPr lang="en-US" smtClean="0"/>
-              <a:t>5/13/2023</a:t>
+              <a:t>8/8/2023</a:t>
             </a:fld>
             <a:endParaRPr lang="en-US"/>
           </a:p>
@@ -3514,7 +3514,7 @@
           <a:p>
             <a:fld id="{64AFA2AD-E127-4CF5-B47A-4CE67A9F1D09}" type="datetimeFigureOut">
               <a:rPr lang="en-US" smtClean="0"/>
-              <a:t>5/13/2023</a:t>
+              <a:t>8/8/2023</a:t>
             </a:fld>
             <a:endParaRPr lang="en-US"/>
           </a:p>
@@ -3802,7 +3802,7 @@
           <a:p>
             <a:fld id="{64AFA2AD-E127-4CF5-B47A-4CE67A9F1D09}" type="datetimeFigureOut">
               <a:rPr lang="en-US" smtClean="0"/>
-              <a:t>5/13/2023</a:t>
+              <a:t>8/8/2023</a:t>
             </a:fld>
             <a:endParaRPr lang="en-US"/>
           </a:p>
@@ -4043,7 +4043,7 @@
           <a:p>
             <a:fld id="{64AFA2AD-E127-4CF5-B47A-4CE67A9F1D09}" type="datetimeFigureOut">
               <a:rPr lang="en-US" smtClean="0"/>
-              <a:t>5/13/2023</a:t>
+              <a:t>8/8/2023</a:t>
             </a:fld>
             <a:endParaRPr lang="en-US"/>
           </a:p>
@@ -28192,16 +28192,6 @@
           <a:bodyPr/>
           <a:lstStyle/>
           <a:p>
-            <a:r>
-              <a:rPr lang="en-US" sz="2400" b="1" i="0" dirty="0">
-                <a:solidFill>
-                  <a:srgbClr val="000000"/>
-                </a:solidFill>
-                <a:effectLst/>
-                <a:latin typeface="arial" panose="020B0604020202020204" pitchFamily="34" charset="0"/>
-              </a:rPr>
-              <a:t>How to Get the Minimum and Maximum Range of Values of Built-in Data Types in C#?</a:t>
-            </a:r>
             <a:br>
               <a:rPr lang="en-US" b="0" i="0" dirty="0">
                 <a:solidFill>
@@ -28878,26 +28868,6 @@
 </file>
 
 <file path=customXml/item1.xml><?xml version="1.0" encoding="utf-8"?>
-<?mso-contentType ?>
-<FormTemplates xmlns="http://schemas.microsoft.com/sharepoint/v3/contenttype/forms">
-  <Display>DocumentLibraryForm</Display>
-  <Edit>DocumentLibraryForm</Edit>
-  <New>DocumentLibraryForm</New>
-</FormTemplates>
-</file>
-
-<file path=customXml/item2.xml><?xml version="1.0" encoding="utf-8"?>
-<p:properties xmlns:p="http://schemas.microsoft.com/office/2006/metadata/properties" xmlns:xsi="http://www.w3.org/2001/XMLSchema-instance" xmlns:pc="http://schemas.microsoft.com/office/infopath/2007/PartnerControls">
-  <documentManagement>
-    <MigrationWizIdVersion xmlns="b2463319-f063-494d-be28-0864aafcbfaf" xsi:nil="true"/>
-    <MigrationWizIdPermissions xmlns="b2463319-f063-494d-be28-0864aafcbfaf" xsi:nil="true"/>
-    <_activity xmlns="b2463319-f063-494d-be28-0864aafcbfaf" xsi:nil="true"/>
-    <MigrationWizId xmlns="b2463319-f063-494d-be28-0864aafcbfaf" xsi:nil="true"/>
-  </documentManagement>
-</p:properties>
-</file>
-
-<file path=customXml/item3.xml><?xml version="1.0" encoding="utf-8"?>
 <ct:contentTypeSchema xmlns:ct="http://schemas.microsoft.com/office/2006/metadata/contentType" xmlns:ma="http://schemas.microsoft.com/office/2006/metadata/properties/metaAttributes" ct:_="" ma:_="" ma:contentTypeName="Document" ma:contentTypeID="0x0101006A3FE9166DFFCA4F828C9562480FADF8" ma:contentTypeVersion="17" ma:contentTypeDescription="Create a new document." ma:contentTypeScope="" ma:versionID="99b97478d634bcb6731d6423c0aa6266">
   <xsd:schema xmlns:xsd="http://www.w3.org/2001/XMLSchema" xmlns:xs="http://www.w3.org/2001/XMLSchema" xmlns:p="http://schemas.microsoft.com/office/2006/metadata/properties" xmlns:ns3="b2463319-f063-494d-be28-0864aafcbfaf" xmlns:ns4="cb70dd5e-aeba-4303-895e-0ae485ba4d8f" targetNamespace="http://schemas.microsoft.com/office/2006/metadata/properties" ma:root="true" ma:fieldsID="145e044a657221f1d5675606702a2248" ns3:_="" ns4:_="">
     <xsd:import namespace="b2463319-f063-494d-be28-0864aafcbfaf"/>
@@ -29144,10 +29114,41 @@
 </ct:contentTypeSchema>
 </file>
 
+<file path=customXml/item2.xml><?xml version="1.0" encoding="utf-8"?>
+<p:properties xmlns:p="http://schemas.microsoft.com/office/2006/metadata/properties" xmlns:xsi="http://www.w3.org/2001/XMLSchema-instance" xmlns:pc="http://schemas.microsoft.com/office/infopath/2007/PartnerControls">
+  <documentManagement>
+    <MigrationWizIdVersion xmlns="b2463319-f063-494d-be28-0864aafcbfaf" xsi:nil="true"/>
+    <MigrationWizIdPermissions xmlns="b2463319-f063-494d-be28-0864aafcbfaf" xsi:nil="true"/>
+    <_activity xmlns="b2463319-f063-494d-be28-0864aafcbfaf" xsi:nil="true"/>
+    <MigrationWizId xmlns="b2463319-f063-494d-be28-0864aafcbfaf" xsi:nil="true"/>
+  </documentManagement>
+</p:properties>
+</file>
+
+<file path=customXml/item3.xml><?xml version="1.0" encoding="utf-8"?>
+<?mso-contentType ?>
+<FormTemplates xmlns="http://schemas.microsoft.com/sharepoint/v3/contenttype/forms">
+  <Display>DocumentLibraryForm</Display>
+  <Edit>DocumentLibraryForm</Edit>
+  <New>DocumentLibraryForm</New>
+</FormTemplates>
+</file>
+
 <file path=customXml/itemProps1.xml><?xml version="1.0" encoding="utf-8"?>
-<ds:datastoreItem xmlns:ds="http://schemas.openxmlformats.org/officeDocument/2006/customXml" ds:itemID="{CEBA1005-A8A5-4619-B0E0-EEA63FCE8E68}">
+<ds:datastoreItem xmlns:ds="http://schemas.openxmlformats.org/officeDocument/2006/customXml" ds:itemID="{8BFBEC35-BD9A-420B-858A-AABE8C448398}">
   <ds:schemaRefs>
-    <ds:schemaRef ds:uri="http://schemas.microsoft.com/sharepoint/v3/contenttype/forms"/>
+    <ds:schemaRef ds:uri="http://schemas.microsoft.com/office/2006/metadata/contentType"/>
+    <ds:schemaRef ds:uri="http://schemas.microsoft.com/office/2006/metadata/properties/metaAttributes"/>
+    <ds:schemaRef ds:uri="http://www.w3.org/2001/XMLSchema"/>
+    <ds:schemaRef ds:uri="http://schemas.microsoft.com/office/2006/metadata/properties"/>
+    <ds:schemaRef ds:uri="b2463319-f063-494d-be28-0864aafcbfaf"/>
+    <ds:schemaRef ds:uri="cb70dd5e-aeba-4303-895e-0ae485ba4d8f"/>
+    <ds:schemaRef ds:uri="http://schemas.microsoft.com/office/2006/documentManagement/types"/>
+    <ds:schemaRef ds:uri="http://schemas.microsoft.com/office/infopath/2007/PartnerControls"/>
+    <ds:schemaRef ds:uri="http://schemas.openxmlformats.org/package/2006/metadata/core-properties"/>
+    <ds:schemaRef ds:uri="http://purl.org/dc/elements/1.1/"/>
+    <ds:schemaRef ds:uri="http://purl.org/dc/terms/"/>
+    <ds:schemaRef ds:uri="http://schemas.microsoft.com/internal/obd"/>
   </ds:schemaRefs>
 </ds:datastoreItem>
 </file>
@@ -29170,20 +29171,9 @@
 </file>
 
 <file path=customXml/itemProps3.xml><?xml version="1.0" encoding="utf-8"?>
-<ds:datastoreItem xmlns:ds="http://schemas.openxmlformats.org/officeDocument/2006/customXml" ds:itemID="{8BFBEC35-BD9A-420B-858A-AABE8C448398}">
+<ds:datastoreItem xmlns:ds="http://schemas.openxmlformats.org/officeDocument/2006/customXml" ds:itemID="{CEBA1005-A8A5-4619-B0E0-EEA63FCE8E68}">
   <ds:schemaRefs>
-    <ds:schemaRef ds:uri="http://schemas.microsoft.com/office/2006/metadata/contentType"/>
-    <ds:schemaRef ds:uri="http://schemas.microsoft.com/office/2006/metadata/properties/metaAttributes"/>
-    <ds:schemaRef ds:uri="http://www.w3.org/2001/XMLSchema"/>
-    <ds:schemaRef ds:uri="http://schemas.microsoft.com/office/2006/metadata/properties"/>
-    <ds:schemaRef ds:uri="b2463319-f063-494d-be28-0864aafcbfaf"/>
-    <ds:schemaRef ds:uri="cb70dd5e-aeba-4303-895e-0ae485ba4d8f"/>
-    <ds:schemaRef ds:uri="http://schemas.microsoft.com/office/2006/documentManagement/types"/>
-    <ds:schemaRef ds:uri="http://schemas.microsoft.com/office/infopath/2007/PartnerControls"/>
-    <ds:schemaRef ds:uri="http://schemas.openxmlformats.org/package/2006/metadata/core-properties"/>
-    <ds:schemaRef ds:uri="http://purl.org/dc/elements/1.1/"/>
-    <ds:schemaRef ds:uri="http://purl.org/dc/terms/"/>
-    <ds:schemaRef ds:uri="http://schemas.microsoft.com/internal/obd"/>
+    <ds:schemaRef ds:uri="http://schemas.microsoft.com/sharepoint/v3/contenttype/forms"/>
   </ds:schemaRefs>
 </ds:datastoreItem>
 </file>